--- a/Digital_Steganography_final.pptx
+++ b/Digital_Steganography_final.pptx
@@ -11,12 +11,12 @@
     <p:sldId id="257" r:id="rId2"/>
     <p:sldId id="258" r:id="rId3"/>
     <p:sldId id="259" r:id="rId4"/>
-    <p:sldId id="260" r:id="rId5"/>
-    <p:sldId id="261" r:id="rId6"/>
-    <p:sldId id="262" r:id="rId7"/>
-    <p:sldId id="265" r:id="rId8"/>
-    <p:sldId id="266" r:id="rId9"/>
-    <p:sldId id="267" r:id="rId10"/>
+    <p:sldId id="261" r:id="rId5"/>
+    <p:sldId id="262" r:id="rId6"/>
+    <p:sldId id="265" r:id="rId7"/>
+    <p:sldId id="266" r:id="rId8"/>
+    <p:sldId id="267" r:id="rId9"/>
+    <p:sldId id="260" r:id="rId10"/>
     <p:sldId id="268" r:id="rId11"/>
     <p:sldId id="269" r:id="rId12"/>
   </p:sldIdLst>
@@ -207,7 +207,7 @@
           <a:p>
             <a:fld id="{6BE0BA2F-C639-4438-8A13-ADFFDE932C54}" type="datetimeFigureOut">
               <a:rPr lang="en-IN" smtClean="0"/>
-              <a:t>19-10-2022</a:t>
+              <a:t>20-10-2022</a:t>
             </a:fld>
             <a:endParaRPr lang="en-IN"/>
           </a:p>
@@ -650,7 +650,7 @@
                   <a:spcPct val="0"/>
                 </a:spcBef>
               </a:pPr>
-              <a:t>8</a:t>
+              <a:t>7</a:t>
             </a:fld>
             <a:endParaRPr lang="en-US" altLang="en-US"/>
           </a:p>
@@ -954,7 +954,7 @@
           <a:p>
             <a:fld id="{C053C632-2D68-42B3-BB60-1B98273F8C51}" type="datetimeFigureOut">
               <a:rPr lang="en-IN" smtClean="0"/>
-              <a:t>19-10-2022</a:t>
+              <a:t>20-10-2022</a:t>
             </a:fld>
             <a:endParaRPr lang="en-IN"/>
           </a:p>
@@ -1162,7 +1162,7 @@
           <a:p>
             <a:fld id="{C053C632-2D68-42B3-BB60-1B98273F8C51}" type="datetimeFigureOut">
               <a:rPr lang="en-IN" smtClean="0"/>
-              <a:t>19-10-2022</a:t>
+              <a:t>20-10-2022</a:t>
             </a:fld>
             <a:endParaRPr lang="en-IN"/>
           </a:p>
@@ -1418,7 +1418,7 @@
           <a:p>
             <a:fld id="{C053C632-2D68-42B3-BB60-1B98273F8C51}" type="datetimeFigureOut">
               <a:rPr lang="en-IN" smtClean="0"/>
-              <a:t>19-10-2022</a:t>
+              <a:t>20-10-2022</a:t>
             </a:fld>
             <a:endParaRPr lang="en-IN"/>
           </a:p>
@@ -1592,7 +1592,7 @@
           <a:p>
             <a:fld id="{C053C632-2D68-42B3-BB60-1B98273F8C51}" type="datetimeFigureOut">
               <a:rPr lang="en-IN" smtClean="0"/>
-              <a:t>19-10-2022</a:t>
+              <a:t>20-10-2022</a:t>
             </a:fld>
             <a:endParaRPr lang="en-IN"/>
           </a:p>
@@ -1935,7 +1935,7 @@
           <a:p>
             <a:fld id="{C053C632-2D68-42B3-BB60-1B98273F8C51}" type="datetimeFigureOut">
               <a:rPr lang="en-IN" smtClean="0"/>
-              <a:t>19-10-2022</a:t>
+              <a:t>20-10-2022</a:t>
             </a:fld>
             <a:endParaRPr lang="en-IN"/>
           </a:p>
@@ -2210,7 +2210,7 @@
           <a:p>
             <a:fld id="{C053C632-2D68-42B3-BB60-1B98273F8C51}" type="datetimeFigureOut">
               <a:rPr lang="en-IN" smtClean="0"/>
-              <a:t>19-10-2022</a:t>
+              <a:t>20-10-2022</a:t>
             </a:fld>
             <a:endParaRPr lang="en-IN"/>
           </a:p>
@@ -2589,7 +2589,7 @@
           <a:p>
             <a:fld id="{C053C632-2D68-42B3-BB60-1B98273F8C51}" type="datetimeFigureOut">
               <a:rPr lang="en-IN" smtClean="0"/>
-              <a:t>19-10-2022</a:t>
+              <a:t>20-10-2022</a:t>
             </a:fld>
             <a:endParaRPr lang="en-IN"/>
           </a:p>
@@ -2707,7 +2707,7 @@
           <a:p>
             <a:fld id="{C053C632-2D68-42B3-BB60-1B98273F8C51}" type="datetimeFigureOut">
               <a:rPr lang="en-IN" smtClean="0"/>
-              <a:t>19-10-2022</a:t>
+              <a:t>20-10-2022</a:t>
             </a:fld>
             <a:endParaRPr lang="en-IN"/>
           </a:p>
@@ -2878,7 +2878,7 @@
           <a:p>
             <a:fld id="{C053C632-2D68-42B3-BB60-1B98273F8C51}" type="datetimeFigureOut">
               <a:rPr lang="en-IN" smtClean="0"/>
-              <a:t>19-10-2022</a:t>
+              <a:t>20-10-2022</a:t>
             </a:fld>
             <a:endParaRPr lang="en-IN"/>
           </a:p>
@@ -3232,7 +3232,7 @@
           <a:p>
             <a:fld id="{C053C632-2D68-42B3-BB60-1B98273F8C51}" type="datetimeFigureOut">
               <a:rPr lang="en-IN" smtClean="0"/>
-              <a:t>19-10-2022</a:t>
+              <a:t>20-10-2022</a:t>
             </a:fld>
             <a:endParaRPr lang="en-IN"/>
           </a:p>
@@ -3614,7 +3614,7 @@
           <a:p>
             <a:fld id="{C053C632-2D68-42B3-BB60-1B98273F8C51}" type="datetimeFigureOut">
               <a:rPr lang="en-IN" smtClean="0"/>
-              <a:t>19-10-2022</a:t>
+              <a:t>20-10-2022</a:t>
             </a:fld>
             <a:endParaRPr lang="en-IN"/>
           </a:p>
@@ -3901,7 +3901,7 @@
           <a:p>
             <a:fld id="{C053C632-2D68-42B3-BB60-1B98273F8C51}" type="datetimeFigureOut">
               <a:rPr lang="en-IN" smtClean="0"/>
-              <a:t>19-10-2022</a:t>
+              <a:t>20-10-2022</a:t>
             </a:fld>
             <a:endParaRPr lang="en-IN"/>
           </a:p>
@@ -4843,11 +4843,7 @@
             <a:pPr lvl="2"/>
             <a:r>
               <a:rPr lang="en-US" altLang="en-US" sz="2400" dirty="0" smtClean="0"/>
-              <a:t>Hiding </a:t>
-            </a:r>
-            <a:r>
-              <a:rPr lang="en-US" altLang="en-US" sz="2400" dirty="0" smtClean="0"/>
-              <a:t>message inside images</a:t>
+              <a:t>Hiding message inside images</a:t>
             </a:r>
           </a:p>
           <a:p>
@@ -5107,7 +5103,7 @@
             <a:pPr algn="ctr"/>
             <a:r>
               <a:rPr lang="en-US" dirty="0" smtClean="0"/>
-              <a:t>Technology Used</a:t>
+              <a:t>Problem In Existing system	</a:t>
             </a:r>
             <a:endParaRPr lang="en-IN" dirty="0"/>
           </a:p>
@@ -5130,50 +5126,36 @@
           </a:bodyPr>
           <a:lstStyle/>
           <a:p>
-            <a:pPr lvl="1"/>
-            <a:r>
-              <a:rPr lang="en-US" sz="4400" dirty="0" smtClean="0"/>
-              <a:t>Java</a:t>
-            </a:r>
-          </a:p>
-          <a:p>
-            <a:pPr lvl="2"/>
-            <a:r>
-              <a:rPr lang="en-US" sz="3200" dirty="0" smtClean="0"/>
-              <a:t>Java </a:t>
-            </a:r>
-            <a:r>
-              <a:rPr lang="en-US" sz="3200" dirty="0" smtClean="0"/>
-              <a:t>Swing</a:t>
-            </a:r>
-            <a:endParaRPr lang="en-US" sz="3200" dirty="0" smtClean="0"/>
-          </a:p>
-          <a:p>
-            <a:pPr lvl="2"/>
-            <a:r>
-              <a:rPr lang="en-US" sz="3200" dirty="0" smtClean="0"/>
-              <a:t>Java AWT</a:t>
-            </a:r>
-          </a:p>
-          <a:p>
-            <a:pPr marL="384048" lvl="2" indent="0">
+            <a:pPr marL="201168" lvl="1" indent="0">
               <a:buNone/>
             </a:pPr>
-            <a:endParaRPr lang="en-US" sz="3200" dirty="0" smtClean="0"/>
+            <a:r>
+              <a:rPr lang="en-US" sz="3200" dirty="0"/>
+              <a:t>This project addresses the security problem of transmitting the data over internet network, the main idea coming when we start asking that how can we send a message secretly to the destination? The science of steganography answers this question. Using steganography, information can be hidden in carriers such as images, audio files, text </a:t>
+            </a:r>
+            <a:r>
+              <a:rPr lang="en-US" sz="3200" dirty="0" smtClean="0"/>
+              <a:t>files</a:t>
+            </a:r>
+            <a:r>
+              <a:rPr lang="en-US" sz="3200" dirty="0"/>
+              <a:t> </a:t>
+            </a:r>
+            <a:r>
+              <a:rPr lang="en-US" sz="3200" dirty="0" smtClean="0"/>
+              <a:t>and videos.</a:t>
+            </a:r>
           </a:p>
           <a:p>
             <a:pPr lvl="1"/>
-            <a:r>
-              <a:rPr lang="en-US" sz="4400" dirty="0" smtClean="0"/>
-              <a:t>Launch4j</a:t>
-            </a:r>
+            <a:endParaRPr lang="en-IN" sz="2000" dirty="0"/>
           </a:p>
         </p:txBody>
       </p:sp>
     </p:spTree>
     <p:extLst>
       <p:ext uri="{BB962C8B-B14F-4D97-AF65-F5344CB8AC3E}">
-        <p14:creationId xmlns:p14="http://schemas.microsoft.com/office/powerpoint/2010/main" val="3941287935"/>
+        <p14:creationId xmlns:p14="http://schemas.microsoft.com/office/powerpoint/2010/main" val="3332200922"/>
       </p:ext>
     </p:extLst>
   </p:cSld>
@@ -5218,7 +5200,7 @@
             <a:pPr algn="ctr"/>
             <a:r>
               <a:rPr lang="en-US" dirty="0" smtClean="0"/>
-              <a:t>Problem In Existing system	</a:t>
+              <a:t>Implementation</a:t>
             </a:r>
             <a:endParaRPr lang="en-IN" dirty="0"/>
           </a:p>
@@ -5236,46 +5218,65 @@
         </p:nvSpPr>
         <p:spPr/>
         <p:txBody>
-          <a:bodyPr>
-            <a:normAutofit/>
-          </a:bodyPr>
+          <a:bodyPr/>
           <a:lstStyle/>
           <a:p>
-            <a:pPr marL="201168" lvl="1" indent="0">
-              <a:buNone/>
-            </a:pPr>
+            <a:pPr lvl="1"/>
+            <a:r>
+              <a:rPr lang="en-US" sz="4000" dirty="0" smtClean="0"/>
+              <a:t>Types Of steganography</a:t>
+            </a:r>
+          </a:p>
+          <a:p>
+            <a:pPr lvl="2"/>
+            <a:r>
+              <a:rPr lang="en-US" sz="3200" dirty="0" smtClean="0"/>
+              <a:t>Hiding </a:t>
+            </a:r>
             <a:r>
               <a:rPr lang="en-US" sz="3200" dirty="0"/>
-              <a:t>This project addresses the security problem of transmitting the data over internet network, the main idea coming when we start asking that how can we send a message secretly to the destination? The science of steganography answers this question. Using steganography, information can be hidden in carriers such as images, audio files, text </a:t>
+              <a:t>a Message inside Images</a:t>
+            </a:r>
+          </a:p>
+          <a:p>
+            <a:pPr lvl="2"/>
+            <a:r>
+              <a:rPr lang="en-US" sz="3200" dirty="0"/>
+              <a:t>Hiding a Message inside </a:t>
             </a:r>
             <a:r>
               <a:rPr lang="en-US" sz="3200" dirty="0" smtClean="0"/>
-              <a:t>files</a:t>
+              <a:t>Audio Files</a:t>
+            </a:r>
+          </a:p>
+          <a:p>
+            <a:pPr lvl="2"/>
+            <a:r>
+              <a:rPr lang="en-US" sz="3200" dirty="0" smtClean="0"/>
+              <a:t>Hiding a Message inside </a:t>
             </a:r>
             <a:r>
               <a:rPr lang="en-US" sz="3200" dirty="0"/>
-              <a:t> </a:t>
-            </a:r>
-            <a:r>
-              <a:rPr lang="en-US" sz="3200" dirty="0" smtClean="0"/>
-              <a:t>and</a:t>
-            </a:r>
-            <a:r>
-              <a:rPr lang="en-US" sz="3200" dirty="0" smtClean="0"/>
-              <a:t> videos.</a:t>
-            </a:r>
-            <a:endParaRPr lang="en-US" sz="3200" dirty="0" smtClean="0"/>
-          </a:p>
-          <a:p>
-            <a:pPr lvl="1"/>
-            <a:endParaRPr lang="en-IN" sz="2000" dirty="0"/>
+              <a:t>Video Files</a:t>
+            </a:r>
+          </a:p>
+          <a:p>
+            <a:pPr lvl="2"/>
+            <a:r>
+              <a:rPr lang="en-US" sz="3200" dirty="0"/>
+              <a:t>Hiding a Image inside Image </a:t>
+            </a:r>
+          </a:p>
+          <a:p>
+            <a:pPr lvl="2"/>
+            <a:endParaRPr lang="en-IN" dirty="0"/>
           </a:p>
         </p:txBody>
       </p:sp>
     </p:spTree>
     <p:extLst>
       <p:ext uri="{BB962C8B-B14F-4D97-AF65-F5344CB8AC3E}">
-        <p14:creationId xmlns:p14="http://schemas.microsoft.com/office/powerpoint/2010/main" val="3332200922"/>
+        <p14:creationId xmlns:p14="http://schemas.microsoft.com/office/powerpoint/2010/main" val="4067338619"/>
       </p:ext>
     </p:extLst>
   </p:cSld>
@@ -5304,131 +5305,6 @@
       </p:grpSpPr>
       <p:sp>
         <p:nvSpPr>
-          <p:cNvPr id="2" name="Title 1"/>
-          <p:cNvSpPr>
-            <a:spLocks noGrp="1"/>
-          </p:cNvSpPr>
-          <p:nvPr>
-            <p:ph type="title"/>
-          </p:nvPr>
-        </p:nvSpPr>
-        <p:spPr/>
-        <p:txBody>
-          <a:bodyPr/>
-          <a:lstStyle/>
-          <a:p>
-            <a:pPr algn="ctr"/>
-            <a:r>
-              <a:rPr lang="en-US" dirty="0" smtClean="0"/>
-              <a:t>Implementation</a:t>
-            </a:r>
-            <a:endParaRPr lang="en-IN" dirty="0"/>
-          </a:p>
-        </p:txBody>
-      </p:sp>
-      <p:sp>
-        <p:nvSpPr>
-          <p:cNvPr id="3" name="Content Placeholder 2"/>
-          <p:cNvSpPr>
-            <a:spLocks noGrp="1"/>
-          </p:cNvSpPr>
-          <p:nvPr>
-            <p:ph idx="1"/>
-          </p:nvPr>
-        </p:nvSpPr>
-        <p:spPr/>
-        <p:txBody>
-          <a:bodyPr/>
-          <a:lstStyle/>
-          <a:p>
-            <a:pPr lvl="1"/>
-            <a:r>
-              <a:rPr lang="en-US" sz="4000" dirty="0" smtClean="0"/>
-              <a:t>Types Of steganography</a:t>
-            </a:r>
-          </a:p>
-          <a:p>
-            <a:pPr lvl="2"/>
-            <a:r>
-              <a:rPr lang="en-US" sz="3200" dirty="0" smtClean="0"/>
-              <a:t>Hiding </a:t>
-            </a:r>
-            <a:r>
-              <a:rPr lang="en-US" sz="3200" dirty="0"/>
-              <a:t>a Message inside Images</a:t>
-            </a:r>
-          </a:p>
-          <a:p>
-            <a:pPr lvl="2"/>
-            <a:r>
-              <a:rPr lang="en-US" sz="3200" dirty="0"/>
-              <a:t>Hiding a Message inside </a:t>
-            </a:r>
-            <a:r>
-              <a:rPr lang="en-US" sz="3200" dirty="0" smtClean="0"/>
-              <a:t>Audio Files</a:t>
-            </a:r>
-          </a:p>
-          <a:p>
-            <a:pPr lvl="2"/>
-            <a:r>
-              <a:rPr lang="en-US" sz="3200" dirty="0" smtClean="0"/>
-              <a:t>Hiding a Message inside</a:t>
-            </a:r>
-            <a:r>
-              <a:rPr lang="en-US" sz="3200" dirty="0" smtClean="0"/>
-              <a:t> </a:t>
-            </a:r>
-            <a:r>
-              <a:rPr lang="en-US" sz="3200" dirty="0"/>
-              <a:t>Video Files</a:t>
-            </a:r>
-          </a:p>
-          <a:p>
-            <a:pPr lvl="2"/>
-            <a:r>
-              <a:rPr lang="en-US" sz="3200" dirty="0"/>
-              <a:t>Hiding a Image inside Image </a:t>
-            </a:r>
-          </a:p>
-          <a:p>
-            <a:pPr lvl="2"/>
-            <a:endParaRPr lang="en-IN" dirty="0"/>
-          </a:p>
-        </p:txBody>
-      </p:sp>
-    </p:spTree>
-    <p:extLst>
-      <p:ext uri="{BB962C8B-B14F-4D97-AF65-F5344CB8AC3E}">
-        <p14:creationId xmlns:p14="http://schemas.microsoft.com/office/powerpoint/2010/main" val="4067338619"/>
-      </p:ext>
-    </p:extLst>
-  </p:cSld>
-  <p:clrMapOvr>
-    <a:masterClrMapping/>
-  </p:clrMapOvr>
-</p:sld>
-</file>
-
-<file path=ppt/slides/slide7.xml><?xml version="1.0" encoding="utf-8"?>
-<p:sld xmlns:a="http://schemas.openxmlformats.org/drawingml/2006/main" xmlns:r="http://schemas.openxmlformats.org/officeDocument/2006/relationships" xmlns:p="http://schemas.openxmlformats.org/presentationml/2006/main">
-  <p:cSld>
-    <p:spTree>
-      <p:nvGrpSpPr>
-        <p:cNvPr id="1" name=""/>
-        <p:cNvGrpSpPr/>
-        <p:nvPr/>
-      </p:nvGrpSpPr>
-      <p:grpSpPr>
-        <a:xfrm>
-          <a:off x="0" y="0"/>
-          <a:ext cx="0" cy="0"/>
-          <a:chOff x="0" y="0"/>
-          <a:chExt cx="0" cy="0"/>
-        </a:xfrm>
-      </p:grpSpPr>
-      <p:sp>
-        <p:nvSpPr>
           <p:cNvPr id="16386" name="AutoShape 2"/>
           <p:cNvSpPr>
             <a:spLocks noGrp="1" noChangeArrowheads="1"/>
@@ -5516,23 +5392,13 @@
           <a:p>
             <a:r>
               <a:rPr lang="en-US" altLang="en-US" b="1" i="1" dirty="0" smtClean="0"/>
-              <a:t>Masking </a:t>
-            </a:r>
-            <a:r>
-              <a:rPr lang="en-US" altLang="en-US" b="1" i="1" dirty="0" smtClean="0"/>
-              <a:t>and Filtering</a:t>
+              <a:t>Masking and Filtering</a:t>
             </a:r>
             <a:r>
               <a:rPr lang="en-US" altLang="en-US" dirty="0" smtClean="0"/>
               <a:t> </a:t>
             </a:r>
             <a:endParaRPr lang="tr-TR" altLang="en-US" dirty="0" smtClean="0"/>
-          </a:p>
-          <a:p>
-            <a:r>
-              <a:rPr lang="en-US" altLang="en-US" b="1" i="1" dirty="0" smtClean="0"/>
-              <a:t>Algorithms and Transformations</a:t>
-            </a:r>
           </a:p>
         </p:txBody>
       </p:sp>
@@ -5549,7 +5415,7 @@
 </p:sld>
 </file>
 
-<file path=ppt/slides/slide8.xml><?xml version="1.0" encoding="utf-8"?>
+<file path=ppt/slides/slide7.xml><?xml version="1.0" encoding="utf-8"?>
 <p:sld xmlns:a="http://schemas.openxmlformats.org/drawingml/2006/main" xmlns:r="http://schemas.openxmlformats.org/officeDocument/2006/relationships" xmlns:p="http://schemas.openxmlformats.org/presentationml/2006/main">
   <p:cSld>
     <p:spTree>
@@ -6134,6 +6000,164 @@
 </p:sld>
 </file>
 
+<file path=ppt/slides/slide8.xml><?xml version="1.0" encoding="utf-8"?>
+<p:sld xmlns:a="http://schemas.openxmlformats.org/drawingml/2006/main" xmlns:r="http://schemas.openxmlformats.org/officeDocument/2006/relationships" xmlns:p="http://schemas.openxmlformats.org/presentationml/2006/main">
+  <p:cSld>
+    <p:spTree>
+      <p:nvGrpSpPr>
+        <p:cNvPr id="1" name=""/>
+        <p:cNvGrpSpPr/>
+        <p:nvPr/>
+      </p:nvGrpSpPr>
+      <p:grpSpPr>
+        <a:xfrm>
+          <a:off x="0" y="0"/>
+          <a:ext cx="0" cy="0"/>
+          <a:chOff x="0" y="0"/>
+          <a:chExt cx="0" cy="0"/>
+        </a:xfrm>
+      </p:grpSpPr>
+      <p:sp>
+        <p:nvSpPr>
+          <p:cNvPr id="18434" name="AutoShape 2"/>
+          <p:cNvSpPr>
+            <a:spLocks noGrp="1" noChangeArrowheads="1"/>
+          </p:cNvSpPr>
+          <p:nvPr>
+            <p:ph type="title"/>
+          </p:nvPr>
+        </p:nvSpPr>
+        <p:spPr>
+          <a:xfrm>
+            <a:off x="1181819" y="642349"/>
+            <a:ext cx="9973861" cy="1100187"/>
+          </a:xfrm>
+        </p:spPr>
+        <p:txBody>
+          <a:bodyPr>
+            <a:noAutofit/>
+          </a:bodyPr>
+          <a:lstStyle/>
+          <a:p>
+            <a:pPr algn="ctr">
+              <a:defRPr/>
+            </a:pPr>
+            <a:r>
+              <a:rPr lang="tr-TR" altLang="en-US" sz="4400" b="1" dirty="0"/>
+              <a:t>Hiding a Message inside Audio or Videos Files</a:t>
+            </a:r>
+            <a:endParaRPr lang="en-US" altLang="en-US" sz="4400" b="1" dirty="0"/>
+          </a:p>
+        </p:txBody>
+      </p:sp>
+      <p:sp>
+        <p:nvSpPr>
+          <p:cNvPr id="24579" name="Rectangle 3"/>
+          <p:cNvSpPr>
+            <a:spLocks noGrp="1" noChangeArrowheads="1"/>
+          </p:cNvSpPr>
+          <p:nvPr>
+            <p:ph idx="1"/>
+          </p:nvPr>
+        </p:nvSpPr>
+        <p:spPr/>
+        <p:txBody>
+          <a:bodyPr>
+            <a:normAutofit/>
+          </a:bodyPr>
+          <a:lstStyle/>
+          <a:p>
+            <a:r>
+              <a:rPr lang="en-US" altLang="en-US" sz="3200" dirty="0" smtClean="0"/>
+              <a:t>Audio Files</a:t>
+            </a:r>
+          </a:p>
+          <a:p>
+            <a:pPr lvl="1"/>
+            <a:r>
+              <a:rPr lang="en-US" dirty="0"/>
+              <a:t>Least Significant Bit (LSB) Coding </a:t>
+            </a:r>
+          </a:p>
+          <a:p>
+            <a:pPr lvl="1"/>
+            <a:r>
+              <a:rPr lang="en-US" dirty="0"/>
+              <a:t>Echo Data Hiding </a:t>
+            </a:r>
+          </a:p>
+          <a:p>
+            <a:pPr lvl="1"/>
+            <a:r>
+              <a:rPr lang="en-US" dirty="0"/>
+              <a:t>Parity Coding </a:t>
+            </a:r>
+          </a:p>
+          <a:p>
+            <a:pPr lvl="1"/>
+            <a:r>
+              <a:rPr lang="en-US" dirty="0"/>
+              <a:t>Phase Encoding </a:t>
+            </a:r>
+          </a:p>
+          <a:p>
+            <a:pPr lvl="1"/>
+            <a:r>
+              <a:rPr lang="en-US" dirty="0"/>
+              <a:t>Spread </a:t>
+            </a:r>
+            <a:r>
+              <a:rPr lang="en-US" dirty="0" smtClean="0"/>
+              <a:t>Spectrum</a:t>
+            </a:r>
+            <a:endParaRPr lang="en-US" altLang="en-US" sz="3200" dirty="0" smtClean="0"/>
+          </a:p>
+          <a:p>
+            <a:r>
+              <a:rPr lang="en-US" altLang="en-US" sz="3200" dirty="0" smtClean="0"/>
+              <a:t>Video files</a:t>
+            </a:r>
+          </a:p>
+          <a:p>
+            <a:pPr lvl="1"/>
+            <a:r>
+              <a:rPr lang="en-US" altLang="en-US" dirty="0" smtClean="0"/>
+              <a:t>Hash Based Least Significant Bit Technique</a:t>
+            </a:r>
+          </a:p>
+          <a:p>
+            <a:pPr lvl="1"/>
+            <a:r>
+              <a:rPr lang="en-US" altLang="en-US" dirty="0" smtClean="0"/>
+              <a:t>Redundant pattern encoding</a:t>
+            </a:r>
+          </a:p>
+          <a:p>
+            <a:pPr lvl="1"/>
+            <a:r>
+              <a:rPr lang="en-US" altLang="en-US" dirty="0" smtClean="0"/>
+              <a:t>Encrypt and Scatter</a:t>
+            </a:r>
+          </a:p>
+          <a:p>
+            <a:pPr lvl="1"/>
+            <a:endParaRPr lang="en-US" altLang="en-US" dirty="0" smtClean="0"/>
+          </a:p>
+        </p:txBody>
+      </p:sp>
+    </p:spTree>
+    <p:extLst>
+      <p:ext uri="{BB962C8B-B14F-4D97-AF65-F5344CB8AC3E}">
+        <p14:creationId xmlns:p14="http://schemas.microsoft.com/office/powerpoint/2010/main" val="762033918"/>
+      </p:ext>
+    </p:extLst>
+  </p:cSld>
+  <p:clrMapOvr>
+    <a:masterClrMapping/>
+  </p:clrMapOvr>
+</p:sld>
+</file>
+
 <file path=ppt/slides/slide9.xml><?xml version="1.0" encoding="utf-8"?>
 <p:sld xmlns:a="http://schemas.openxmlformats.org/drawingml/2006/main" xmlns:r="http://schemas.openxmlformats.org/officeDocument/2006/relationships" xmlns:p="http://schemas.openxmlformats.org/presentationml/2006/main">
   <p:cSld>
@@ -6153,42 +6177,33 @@
       </p:grpSpPr>
       <p:sp>
         <p:nvSpPr>
-          <p:cNvPr id="18434" name="AutoShape 2"/>
-          <p:cNvSpPr>
-            <a:spLocks noGrp="1" noChangeArrowheads="1"/>
+          <p:cNvPr id="2" name="Title 1"/>
+          <p:cNvSpPr>
+            <a:spLocks noGrp="1"/>
           </p:cNvSpPr>
           <p:nvPr>
             <p:ph type="title"/>
           </p:nvPr>
         </p:nvSpPr>
-        <p:spPr>
-          <a:xfrm>
-            <a:off x="1181819" y="642349"/>
-            <a:ext cx="9973861" cy="1100187"/>
-          </a:xfrm>
-        </p:spPr>
-        <p:txBody>
-          <a:bodyPr>
-            <a:noAutofit/>
-          </a:bodyPr>
+        <p:spPr/>
+        <p:txBody>
+          <a:bodyPr/>
           <a:lstStyle/>
           <a:p>
-            <a:pPr algn="ctr">
-              <a:defRPr/>
-            </a:pPr>
-            <a:r>
-              <a:rPr lang="tr-TR" altLang="en-US" sz="4400" b="1" dirty="0"/>
-              <a:t>Hiding a Message inside Audio or Videos Files</a:t>
-            </a:r>
-            <a:endParaRPr lang="en-US" altLang="en-US" sz="4400" b="1" dirty="0"/>
-          </a:p>
-        </p:txBody>
-      </p:sp>
-      <p:sp>
-        <p:nvSpPr>
-          <p:cNvPr id="24579" name="Rectangle 3"/>
-          <p:cNvSpPr>
-            <a:spLocks noGrp="1" noChangeArrowheads="1"/>
+            <a:pPr algn="ctr"/>
+            <a:r>
+              <a:rPr lang="en-US" dirty="0" smtClean="0"/>
+              <a:t>Technology Used</a:t>
+            </a:r>
+            <a:endParaRPr lang="en-IN" dirty="0"/>
+          </a:p>
+        </p:txBody>
+      </p:sp>
+      <p:sp>
+        <p:nvSpPr>
+          <p:cNvPr id="3" name="Content Placeholder 2"/>
+          <p:cNvSpPr>
+            <a:spLocks noGrp="1"/>
           </p:cNvSpPr>
           <p:nvPr>
             <p:ph idx="1"/>
@@ -6201,88 +6216,75 @@
           </a:bodyPr>
           <a:lstStyle/>
           <a:p>
-            <a:r>
-              <a:rPr lang="en-US" altLang="en-US" sz="3200" dirty="0" smtClean="0"/>
-              <a:t>Audio Files</a:t>
-            </a:r>
-          </a:p>
-          <a:p>
             <a:pPr lvl="1"/>
             <a:r>
-              <a:rPr lang="en-US" dirty="0"/>
-              <a:t>Least Significant Bit (LSB) Coding </a:t>
-            </a:r>
+              <a:rPr lang="en-US" sz="4400" dirty="0" smtClean="0"/>
+              <a:t>Java</a:t>
+            </a:r>
+          </a:p>
+          <a:p>
+            <a:pPr lvl="2"/>
+            <a:r>
+              <a:rPr lang="en-US" sz="3200" dirty="0" smtClean="0"/>
+              <a:t>Java Swing</a:t>
+            </a:r>
+          </a:p>
+          <a:p>
+            <a:pPr lvl="2"/>
+            <a:r>
+              <a:rPr lang="en-US" sz="3200" dirty="0" smtClean="0"/>
+              <a:t>Java AWT</a:t>
+            </a:r>
+          </a:p>
+          <a:p>
+            <a:pPr marL="384048" lvl="2" indent="0">
+              <a:buNone/>
+            </a:pPr>
+            <a:endParaRPr lang="en-US" sz="3200" dirty="0" smtClean="0"/>
           </a:p>
           <a:p>
             <a:pPr lvl="1"/>
             <a:r>
-              <a:rPr lang="en-US" dirty="0"/>
-              <a:t>Echo Data Hiding </a:t>
-            </a:r>
-          </a:p>
-          <a:p>
-            <a:pPr lvl="1"/>
-            <a:r>
-              <a:rPr lang="en-US" dirty="0"/>
-              <a:t>Parity Coding </a:t>
-            </a:r>
-          </a:p>
-          <a:p>
-            <a:pPr lvl="1"/>
-            <a:r>
-              <a:rPr lang="en-US" dirty="0"/>
-              <a:t>Phase Encoding </a:t>
-            </a:r>
-          </a:p>
-          <a:p>
-            <a:pPr lvl="1"/>
-            <a:r>
-              <a:rPr lang="en-US" dirty="0"/>
-              <a:t>Spread </a:t>
-            </a:r>
-            <a:r>
-              <a:rPr lang="en-US" dirty="0" smtClean="0"/>
-              <a:t>Spectrum</a:t>
-            </a:r>
-            <a:endParaRPr lang="en-US" altLang="en-US" sz="3200" dirty="0" smtClean="0"/>
-          </a:p>
-          <a:p>
-            <a:r>
-              <a:rPr lang="en-US" altLang="en-US" sz="3200" dirty="0" smtClean="0"/>
-              <a:t>Video files</a:t>
-            </a:r>
-          </a:p>
-          <a:p>
-            <a:pPr lvl="1"/>
-            <a:r>
-              <a:rPr lang="en-US" altLang="en-US" dirty="0" smtClean="0"/>
-              <a:t>Hash Based Least Significant Bit Technique</a:t>
-            </a:r>
-          </a:p>
-          <a:p>
-            <a:pPr lvl="1"/>
-            <a:r>
-              <a:rPr lang="en-US" altLang="en-US" dirty="0" smtClean="0"/>
-              <a:t>Redundant pattern encoding</a:t>
-            </a:r>
-          </a:p>
-          <a:p>
-            <a:pPr lvl="1"/>
-            <a:r>
-              <a:rPr lang="en-US" altLang="en-US" dirty="0" smtClean="0"/>
-              <a:t>Encrypt and Scatter</a:t>
-            </a:r>
-          </a:p>
-          <a:p>
-            <a:pPr lvl="1"/>
-            <a:endParaRPr lang="en-US" altLang="en-US" dirty="0" smtClean="0"/>
-          </a:p>
-        </p:txBody>
-      </p:sp>
+              <a:rPr lang="en-US" sz="4400" dirty="0" smtClean="0"/>
+              <a:t>Launch4j</a:t>
+            </a:r>
+          </a:p>
+        </p:txBody>
+      </p:sp>
+      <p:pic>
+        <p:nvPicPr>
+          <p:cNvPr id="4" name="Picture 3"/>
+          <p:cNvPicPr>
+            <a:picLocks noChangeAspect="1"/>
+          </p:cNvPicPr>
+          <p:nvPr/>
+        </p:nvPicPr>
+        <p:blipFill>
+          <a:blip r:embed="rId2">
+            <a:extLst>
+              <a:ext uri="{28A0092B-C50C-407E-A947-70E740481C1C}">
+                <a14:useLocalDpi xmlns:a14="http://schemas.microsoft.com/office/drawing/2010/main" val="0"/>
+              </a:ext>
+            </a:extLst>
+          </a:blip>
+          <a:stretch>
+            <a:fillRect/>
+          </a:stretch>
+        </p:blipFill>
+        <p:spPr>
+          <a:xfrm>
+            <a:off x="6452379" y="1845734"/>
+            <a:ext cx="4514850" cy="3009900"/>
+          </a:xfrm>
+          <a:prstGeom prst="rect">
+            <a:avLst/>
+          </a:prstGeom>
+        </p:spPr>
+      </p:pic>
     </p:spTree>
     <p:extLst>
       <p:ext uri="{BB962C8B-B14F-4D97-AF65-F5344CB8AC3E}">
-        <p14:creationId xmlns:p14="http://schemas.microsoft.com/office/powerpoint/2010/main" val="762033918"/>
+        <p14:creationId xmlns:p14="http://schemas.microsoft.com/office/powerpoint/2010/main" val="3941287935"/>
       </p:ext>
     </p:extLst>
   </p:cSld>
